--- a/presentation/IOT-Unit5-CaseStudies.pptx
+++ b/presentation/IOT-Unit5-CaseStudies.pptx
@@ -5,10 +5,10 @@
     <p:sldMasterId id="2147483648" r:id="rId1"/>
   </p:sldMasterIdLst>
   <p:notesMasterIdLst>
-    <p:notesMasterId r:id="rId9"/>
+    <p:notesMasterId r:id="rId10"/>
   </p:notesMasterIdLst>
   <p:handoutMasterIdLst>
-    <p:handoutMasterId r:id="rId10"/>
+    <p:handoutMasterId r:id="rId11"/>
   </p:handoutMasterIdLst>
   <p:sldIdLst>
     <p:sldId id="256" r:id="rId2"/>
@@ -17,7 +17,8 @@
     <p:sldId id="364" r:id="rId5"/>
     <p:sldId id="365" r:id="rId6"/>
     <p:sldId id="363" r:id="rId7"/>
-    <p:sldId id="348" r:id="rId8"/>
+    <p:sldId id="366" r:id="rId8"/>
+    <p:sldId id="348" r:id="rId9"/>
   </p:sldIdLst>
   <p:sldSz cx="12192000" cy="6858000"/>
   <p:notesSz cx="6858000" cy="9144000"/>
@@ -221,7 +222,7 @@
           <a:p>
             <a:fld id="{C5BA3DF1-419F-4396-AE23-2FADD3683DAD}" type="datetimeFigureOut">
               <a:rPr lang="en-IN" smtClean="0"/>
-              <a:t>16-09-2025</a:t>
+              <a:t>17-09-2025</a:t>
             </a:fld>
             <a:endParaRPr lang="en-IN"/>
           </a:p>
@@ -402,7 +403,7 @@
           <a:p>
             <a:fld id="{83A6DFB3-D709-4817-8757-3B1955B6C311}" type="datetimeFigureOut">
               <a:rPr lang="en-IN" smtClean="0"/>
-              <a:t>16-09-2025</a:t>
+              <a:t>17-09-2025</a:t>
             </a:fld>
             <a:endParaRPr lang="en-IN"/>
           </a:p>
@@ -820,7 +821,7 @@
           <a:p>
             <a:fld id="{3A6BD9D9-0201-491D-850A-4E48B8CC6FB5}" type="datetime1">
               <a:rPr lang="en-IN" smtClean="0"/>
-              <a:t>16-09-2025</a:t>
+              <a:t>17-09-2025</a:t>
             </a:fld>
             <a:endParaRPr lang="en-IN"/>
           </a:p>
@@ -1023,7 +1024,7 @@
           <a:p>
             <a:fld id="{75E8E471-E374-414F-ACAE-271604EC180C}" type="datetime1">
               <a:rPr lang="en-IN" smtClean="0"/>
-              <a:t>16-09-2025</a:t>
+              <a:t>17-09-2025</a:t>
             </a:fld>
             <a:endParaRPr lang="en-IN"/>
           </a:p>
@@ -1236,7 +1237,7 @@
           <a:p>
             <a:fld id="{06209059-F8BB-4ED7-ABCA-C2BF3D4995E6}" type="datetime1">
               <a:rPr lang="en-IN" smtClean="0"/>
-              <a:t>16-09-2025</a:t>
+              <a:t>17-09-2025</a:t>
             </a:fld>
             <a:endParaRPr lang="en-IN"/>
           </a:p>
@@ -1439,7 +1440,7 @@
           <a:p>
             <a:fld id="{33585BB6-7F57-4C30-AECB-DA0D27197DA6}" type="datetime1">
               <a:rPr lang="en-IN" smtClean="0"/>
-              <a:t>16-09-2025</a:t>
+              <a:t>17-09-2025</a:t>
             </a:fld>
             <a:endParaRPr lang="en-IN"/>
           </a:p>
@@ -1718,7 +1719,7 @@
           <a:p>
             <a:fld id="{15BC85B2-39A4-4814-A92A-2973CDC9102C}" type="datetime1">
               <a:rPr lang="en-IN" smtClean="0"/>
-              <a:t>16-09-2025</a:t>
+              <a:t>17-09-2025</a:t>
             </a:fld>
             <a:endParaRPr lang="en-IN"/>
           </a:p>
@@ -1989,7 +1990,7 @@
           <a:p>
             <a:fld id="{E78293A2-8117-48A4-9605-23EE94DF99C3}" type="datetime1">
               <a:rPr lang="en-IN" smtClean="0"/>
-              <a:t>16-09-2025</a:t>
+              <a:t>17-09-2025</a:t>
             </a:fld>
             <a:endParaRPr lang="en-IN"/>
           </a:p>
@@ -2407,7 +2408,7 @@
           <a:p>
             <a:fld id="{5F75C8FC-84AC-4C10-ACC0-BD7AF63F7665}" type="datetime1">
               <a:rPr lang="en-IN" smtClean="0"/>
-              <a:t>16-09-2025</a:t>
+              <a:t>17-09-2025</a:t>
             </a:fld>
             <a:endParaRPr lang="en-IN"/>
           </a:p>
@@ -2552,7 +2553,7 @@
           <a:p>
             <a:fld id="{CFF0B640-F7B0-4E9F-B479-2364AFCFD561}" type="datetime1">
               <a:rPr lang="en-IN" smtClean="0"/>
-              <a:t>16-09-2025</a:t>
+              <a:t>17-09-2025</a:t>
             </a:fld>
             <a:endParaRPr lang="en-IN"/>
           </a:p>
@@ -2668,7 +2669,7 @@
           <a:p>
             <a:fld id="{28C955B1-F658-4E21-B29B-5C46404C65AF}" type="datetime1">
               <a:rPr lang="en-IN" smtClean="0"/>
-              <a:t>16-09-2025</a:t>
+              <a:t>17-09-2025</a:t>
             </a:fld>
             <a:endParaRPr lang="en-IN"/>
           </a:p>
@@ -2984,7 +2985,7 @@
           <a:p>
             <a:fld id="{1466127A-0CB8-41EB-AC70-2B05AA20CEB4}" type="datetime1">
               <a:rPr lang="en-IN" smtClean="0"/>
-              <a:t>16-09-2025</a:t>
+              <a:t>17-09-2025</a:t>
             </a:fld>
             <a:endParaRPr lang="en-IN"/>
           </a:p>
@@ -3276,7 +3277,7 @@
           <a:p>
             <a:fld id="{880E169A-C6D0-47B8-83D4-F4CEB7EC43EC}" type="datetime1">
               <a:rPr lang="en-IN" smtClean="0"/>
-              <a:t>16-09-2025</a:t>
+              <a:t>17-09-2025</a:t>
             </a:fld>
             <a:endParaRPr lang="en-IN"/>
           </a:p>
@@ -3522,7 +3523,7 @@
           <a:p>
             <a:fld id="{338274BC-1E24-44A8-9040-DB21F7AFD224}" type="datetime1">
               <a:rPr lang="en-IN" smtClean="0"/>
-              <a:t>16-09-2025</a:t>
+              <a:t>17-09-2025</a:t>
             </a:fld>
             <a:endParaRPr lang="en-IN"/>
           </a:p>
@@ -5396,7 +5397,7 @@
         <p:spPr/>
         <p:txBody>
           <a:bodyPr>
-            <a:normAutofit fontScale="92500" lnSpcReduction="20000"/>
+            <a:normAutofit fontScale="77500" lnSpcReduction="20000"/>
           </a:bodyPr>
           <a:lstStyle/>
           <a:p>
@@ -5444,8 +5445,15 @@
           <a:p>
             <a:r>
               <a:rPr lang="en-US" dirty="0"/>
-              <a:t>S-400</a:t>
-            </a:r>
+              <a:t>S-400 –</a:t>
+            </a:r>
+          </a:p>
+          <a:p>
+            <a:r>
+              <a:rPr lang="en-US"/>
+              <a:t>https://www.youtube.com/watch?v=pheilrjX7R0</a:t>
+            </a:r>
+            <a:endParaRPr lang="en-US" dirty="0"/>
           </a:p>
           <a:p>
             <a:r>
@@ -5499,6 +5507,225 @@
   <p:cSld>
     <p:spTree>
       <p:nvGrpSpPr>
+        <p:cNvPr id="1" name="">
+          <a:extLst>
+            <a:ext uri="{FF2B5EF4-FFF2-40B4-BE49-F238E27FC236}">
+              <a16:creationId xmlns:a16="http://schemas.microsoft.com/office/drawing/2014/main" id="{1403F147-7E05-564F-1F27-A3B868992497}"/>
+            </a:ext>
+          </a:extLst>
+        </p:cNvPr>
+        <p:cNvGrpSpPr/>
+        <p:nvPr/>
+      </p:nvGrpSpPr>
+      <p:grpSpPr>
+        <a:xfrm>
+          <a:off x="0" y="0"/>
+          <a:ext cx="0" cy="0"/>
+          <a:chOff x="0" y="0"/>
+          <a:chExt cx="0" cy="0"/>
+        </a:xfrm>
+      </p:grpSpPr>
+      <p:sp>
+        <p:nvSpPr>
+          <p:cNvPr id="2" name="Title 1">
+            <a:extLst>
+              <a:ext uri="{FF2B5EF4-FFF2-40B4-BE49-F238E27FC236}">
+                <a16:creationId xmlns:a16="http://schemas.microsoft.com/office/drawing/2014/main" id="{DA739862-A20C-5F12-0F56-A6B85C525246}"/>
+              </a:ext>
+            </a:extLst>
+          </p:cNvPr>
+          <p:cNvSpPr>
+            <a:spLocks noGrp="1"/>
+          </p:cNvSpPr>
+          <p:nvPr>
+            <p:ph type="title"/>
+          </p:nvPr>
+        </p:nvSpPr>
+        <p:spPr>
+          <a:xfrm>
+            <a:off x="853440" y="329185"/>
+            <a:ext cx="10500360" cy="1361504"/>
+          </a:xfrm>
+        </p:spPr>
+        <p:txBody>
+          <a:bodyPr/>
+          <a:lstStyle/>
+          <a:p>
+            <a:r>
+              <a:rPr lang="en-IN" dirty="0">
+                <a:latin typeface="Arial" panose="020B0604020202020204" pitchFamily="34" charset="0"/>
+                <a:cs typeface="Arial" panose="020B0604020202020204" pitchFamily="34" charset="0"/>
+              </a:rPr>
+              <a:t>References</a:t>
+            </a:r>
+          </a:p>
+        </p:txBody>
+      </p:sp>
+      <p:sp>
+        <p:nvSpPr>
+          <p:cNvPr id="4" name="Footer Placeholder 3">
+            <a:extLst>
+              <a:ext uri="{FF2B5EF4-FFF2-40B4-BE49-F238E27FC236}">
+                <a16:creationId xmlns:a16="http://schemas.microsoft.com/office/drawing/2014/main" id="{4D32B3B7-A557-0912-57AA-152F5BDEE570}"/>
+              </a:ext>
+            </a:extLst>
+          </p:cNvPr>
+          <p:cNvSpPr>
+            <a:spLocks noGrp="1"/>
+          </p:cNvSpPr>
+          <p:nvPr>
+            <p:ph type="ftr" sz="quarter" idx="11"/>
+          </p:nvPr>
+        </p:nvSpPr>
+        <p:spPr>
+          <a:xfrm>
+            <a:off x="4044562" y="6346450"/>
+            <a:ext cx="4108837" cy="375025"/>
+          </a:xfrm>
+        </p:spPr>
+        <p:txBody>
+          <a:bodyPr/>
+          <a:lstStyle/>
+          <a:p>
+            <a:r>
+              <a:rPr lang="en-IN" sz="1400" b="1" dirty="0">
+                <a:latin typeface="Arial" panose="020B0604020202020204" pitchFamily="34" charset="0"/>
+                <a:cs typeface="Arial" panose="020B0604020202020204" pitchFamily="34" charset="0"/>
+              </a:rPr>
+              <a:t>www.kaushalya.tech</a:t>
+            </a:r>
+          </a:p>
+        </p:txBody>
+      </p:sp>
+      <p:sp>
+        <p:nvSpPr>
+          <p:cNvPr id="5" name="Slide Number Placeholder 4">
+            <a:extLst>
+              <a:ext uri="{FF2B5EF4-FFF2-40B4-BE49-F238E27FC236}">
+                <a16:creationId xmlns:a16="http://schemas.microsoft.com/office/drawing/2014/main" id="{62FFBE99-9E26-08E3-949B-8E756E005C4B}"/>
+              </a:ext>
+            </a:extLst>
+          </p:cNvPr>
+          <p:cNvSpPr>
+            <a:spLocks noGrp="1"/>
+          </p:cNvSpPr>
+          <p:nvPr>
+            <p:ph type="sldNum" sz="quarter" idx="12"/>
+          </p:nvPr>
+        </p:nvSpPr>
+        <p:spPr>
+          <a:xfrm>
+            <a:off x="8614576" y="6346450"/>
+            <a:ext cx="2739224" cy="375025"/>
+          </a:xfrm>
+        </p:spPr>
+        <p:txBody>
+          <a:bodyPr/>
+          <a:lstStyle/>
+          <a:p>
+            <a:fld id="{D300B680-4920-456B-94E7-EB6DEF2EAF04}" type="slidenum">
+              <a:rPr lang="en-IN" smtClean="0"/>
+              <a:t>7</a:t>
+            </a:fld>
+            <a:endParaRPr lang="en-IN" dirty="0"/>
+          </a:p>
+        </p:txBody>
+      </p:sp>
+      <p:cxnSp>
+        <p:nvCxnSpPr>
+          <p:cNvPr id="30" name="Straight Arrow Connector 29">
+            <a:extLst>
+              <a:ext uri="{FF2B5EF4-FFF2-40B4-BE49-F238E27FC236}">
+                <a16:creationId xmlns:a16="http://schemas.microsoft.com/office/drawing/2014/main" id="{8CD1BE9D-18A6-56FB-D050-D9169FE522A7}"/>
+              </a:ext>
+            </a:extLst>
+          </p:cNvPr>
+          <p:cNvCxnSpPr>
+            <a:cxnSpLocks/>
+          </p:cNvCxnSpPr>
+          <p:nvPr/>
+        </p:nvCxnSpPr>
+        <p:spPr>
+          <a:xfrm flipH="1">
+            <a:off x="7510272" y="1855678"/>
+            <a:ext cx="2120" cy="14398"/>
+          </a:xfrm>
+          <a:prstGeom prst="straightConnector1">
+            <a:avLst/>
+          </a:prstGeom>
+          <a:ln>
+            <a:tailEnd type="triangle"/>
+          </a:ln>
+        </p:spPr>
+        <p:style>
+          <a:lnRef idx="1">
+            <a:schemeClr val="accent1"/>
+          </a:lnRef>
+          <a:fillRef idx="0">
+            <a:schemeClr val="accent1"/>
+          </a:fillRef>
+          <a:effectRef idx="0">
+            <a:schemeClr val="accent1"/>
+          </a:effectRef>
+          <a:fontRef idx="minor">
+            <a:schemeClr val="tx1"/>
+          </a:fontRef>
+        </p:style>
+      </p:cxnSp>
+      <p:sp>
+        <p:nvSpPr>
+          <p:cNvPr id="6" name="Content Placeholder 5">
+            <a:extLst>
+              <a:ext uri="{FF2B5EF4-FFF2-40B4-BE49-F238E27FC236}">
+                <a16:creationId xmlns:a16="http://schemas.microsoft.com/office/drawing/2014/main" id="{D6C65812-BE78-6242-8824-3912A3D3816A}"/>
+              </a:ext>
+            </a:extLst>
+          </p:cNvPr>
+          <p:cNvSpPr>
+            <a:spLocks noGrp="1"/>
+          </p:cNvSpPr>
+          <p:nvPr>
+            <p:ph idx="1"/>
+          </p:nvPr>
+        </p:nvSpPr>
+        <p:spPr/>
+        <p:txBody>
+          <a:bodyPr>
+            <a:normAutofit/>
+          </a:bodyPr>
+          <a:lstStyle/>
+          <a:p>
+            <a:r>
+              <a:rPr lang="en-US" dirty="0"/>
+              <a:t>IBM Watson -https://www.ibm.com/Watson</a:t>
+            </a:r>
+          </a:p>
+          <a:p>
+            <a:r>
+              <a:rPr lang="en-US" dirty="0"/>
+              <a:t>IoT in Manufacturing - https://www.wipro.com/engineering/iot-in-the-manufacturing-industry-enabling-industry-4-0/</a:t>
+            </a:r>
+          </a:p>
+        </p:txBody>
+      </p:sp>
+    </p:spTree>
+    <p:extLst>
+      <p:ext uri="{BB962C8B-B14F-4D97-AF65-F5344CB8AC3E}">
+        <p14:creationId xmlns:p14="http://schemas.microsoft.com/office/powerpoint/2010/main" val="3229836836"/>
+      </p:ext>
+    </p:extLst>
+  </p:cSld>
+  <p:clrMapOvr>
+    <a:masterClrMapping/>
+  </p:clrMapOvr>
+</p:sld>
+</file>
+
+<file path=ppt/slides/slide8.xml><?xml version="1.0" encoding="utf-8"?>
+<p:sld xmlns:a="http://schemas.openxmlformats.org/drawingml/2006/main" xmlns:r="http://schemas.openxmlformats.org/officeDocument/2006/relationships" xmlns:p="http://schemas.openxmlformats.org/presentationml/2006/main">
+  <p:cSld>
+    <p:spTree>
+      <p:nvGrpSpPr>
         <p:cNvPr id="1" name=""/>
         <p:cNvGrpSpPr/>
         <p:nvPr/>
@@ -5673,7 +5900,7 @@
                 <a:latin typeface="Arial" panose="020B0604020202020204" pitchFamily="34" charset="0"/>
                 <a:cs typeface="Arial" panose="020B0604020202020204" pitchFamily="34" charset="0"/>
               </a:rPr>
-              <a:t>7</a:t>
+              <a:t>8</a:t>
             </a:fld>
             <a:endParaRPr lang="en-IN" dirty="0">
               <a:latin typeface="Arial" panose="020B0604020202020204" pitchFamily="34" charset="0"/>
